--- a/images/config-lustre/top.pptx
+++ b/images/config-lustre/top.pptx
@@ -7,6 +7,7 @@
   <p:sldIdLst>
     <p:sldId id="256" r:id="rId2"/>
     <p:sldId id="257" r:id="rId3"/>
+    <p:sldId id="258" r:id="rId4"/>
   </p:sldIdLst>
   <p:sldSz cx="12192000" cy="6858000"/>
   <p:notesSz cx="6858000" cy="9144000"/>
@@ -105,6 +106,11 @@
       </a:defRPr>
     </a:lvl9pPr>
   </p:defaultTextStyle>
+  <p:extLst>
+    <p:ext uri="{EFAFB233-063F-42B5-8137-9DF3F51BA10A}">
+      <p15:sldGuideLst xmlns:p15="http://schemas.microsoft.com/office/powerpoint/2012/main"/>
+    </p:ext>
+  </p:extLst>
 </p:presentation>
 </file>
 
@@ -322,7 +328,7 @@
             <a:fld id="{B61BEF0D-F0BB-DE4B-95CE-6DB70DBA9567}" type="datetimeFigureOut">
               <a:rPr lang="en-US" dirty="0"/>
               <a:pPr/>
-              <a:t>1/28/2019</a:t>
+              <a:t>2/14/2019</a:t>
             </a:fld>
             <a:endParaRPr lang="en-US" dirty="0"/>
           </a:p>
@@ -610,7 +616,7 @@
             <a:fld id="{B61BEF0D-F0BB-DE4B-95CE-6DB70DBA9567}" type="datetimeFigureOut">
               <a:rPr lang="en-US" dirty="0"/>
               <a:pPr/>
-              <a:t>1/28/2019</a:t>
+              <a:t>2/14/2019</a:t>
             </a:fld>
             <a:endParaRPr lang="en-US" dirty="0"/>
           </a:p>
@@ -866,7 +872,7 @@
             <a:fld id="{B61BEF0D-F0BB-DE4B-95CE-6DB70DBA9567}" type="datetimeFigureOut">
               <a:rPr lang="en-US" dirty="0"/>
               <a:pPr/>
-              <a:t>1/28/2019</a:t>
+              <a:t>2/14/2019</a:t>
             </a:fld>
             <a:endParaRPr lang="en-US" dirty="0"/>
           </a:p>
@@ -1332,7 +1338,7 @@
             <a:fld id="{B61BEF0D-F0BB-DE4B-95CE-6DB70DBA9567}" type="datetimeFigureOut">
               <a:rPr lang="en-US" dirty="0"/>
               <a:pPr/>
-              <a:t>1/28/2019</a:t>
+              <a:t>2/14/2019</a:t>
             </a:fld>
             <a:endParaRPr lang="en-US" dirty="0"/>
           </a:p>
@@ -1509,7 +1515,7 @@
             <a:fld id="{B61BEF0D-F0BB-DE4B-95CE-6DB70DBA9567}" type="datetimeFigureOut">
               <a:rPr lang="en-US" dirty="0"/>
               <a:pPr/>
-              <a:t>1/28/2019</a:t>
+              <a:t>2/14/2019</a:t>
             </a:fld>
             <a:endParaRPr lang="en-US" dirty="0"/>
           </a:p>
@@ -2082,7 +2088,7 @@
             <a:fld id="{B61BEF0D-F0BB-DE4B-95CE-6DB70DBA9567}" type="datetimeFigureOut">
               <a:rPr lang="en-US" dirty="0"/>
               <a:pPr/>
-              <a:t>1/28/2019</a:t>
+              <a:t>2/14/2019</a:t>
             </a:fld>
             <a:endParaRPr lang="en-US" dirty="0"/>
           </a:p>
@@ -2411,7 +2417,7 @@
             <a:fld id="{B61BEF0D-F0BB-DE4B-95CE-6DB70DBA9567}" type="datetimeFigureOut">
               <a:rPr lang="en-US" dirty="0"/>
               <a:pPr/>
-              <a:t>1/28/2019</a:t>
+              <a:t>2/14/2019</a:t>
             </a:fld>
             <a:endParaRPr lang="en-US" dirty="0"/>
           </a:p>
@@ -2583,7 +2589,7 @@
             <a:fld id="{B61BEF0D-F0BB-DE4B-95CE-6DB70DBA9567}" type="datetimeFigureOut">
               <a:rPr lang="en-US" dirty="0"/>
               <a:pPr/>
-              <a:t>1/28/2019</a:t>
+              <a:t>2/14/2019</a:t>
             </a:fld>
             <a:endParaRPr lang="en-US" dirty="0"/>
           </a:p>
@@ -2760,7 +2766,7 @@
             <a:fld id="{B61BEF0D-F0BB-DE4B-95CE-6DB70DBA9567}" type="datetimeFigureOut">
               <a:rPr lang="en-US" dirty="0"/>
               <a:pPr/>
-              <a:t>1/28/2019</a:t>
+              <a:t>2/14/2019</a:t>
             </a:fld>
             <a:endParaRPr lang="en-US" dirty="0"/>
           </a:p>
@@ -2927,7 +2933,7 @@
             <a:fld id="{B61BEF0D-F0BB-DE4B-95CE-6DB70DBA9567}" type="datetimeFigureOut">
               <a:rPr lang="en-US" dirty="0"/>
               <a:pPr/>
-              <a:t>1/28/2019</a:t>
+              <a:t>2/14/2019</a:t>
             </a:fld>
             <a:endParaRPr lang="en-US" dirty="0"/>
           </a:p>
@@ -3181,7 +3187,7 @@
             <a:fld id="{B61BEF0D-F0BB-DE4B-95CE-6DB70DBA9567}" type="datetimeFigureOut">
               <a:rPr lang="en-US" dirty="0"/>
               <a:pPr/>
-              <a:t>1/28/2019</a:t>
+              <a:t>2/14/2019</a:t>
             </a:fld>
             <a:endParaRPr lang="en-US" dirty="0"/>
           </a:p>
@@ -3470,7 +3476,7 @@
             <a:fld id="{B61BEF0D-F0BB-DE4B-95CE-6DB70DBA9567}" type="datetimeFigureOut">
               <a:rPr lang="en-US" dirty="0"/>
               <a:pPr/>
-              <a:t>1/28/2019</a:t>
+              <a:t>2/14/2019</a:t>
             </a:fld>
             <a:endParaRPr lang="en-US" dirty="0"/>
           </a:p>
@@ -3897,7 +3903,7 @@
             <a:fld id="{B61BEF0D-F0BB-DE4B-95CE-6DB70DBA9567}" type="datetimeFigureOut">
               <a:rPr lang="en-US" dirty="0"/>
               <a:pPr/>
-              <a:t>1/28/2019</a:t>
+              <a:t>2/14/2019</a:t>
             </a:fld>
             <a:endParaRPr lang="en-US" dirty="0"/>
           </a:p>
@@ -4012,7 +4018,7 @@
             <a:fld id="{B61BEF0D-F0BB-DE4B-95CE-6DB70DBA9567}" type="datetimeFigureOut">
               <a:rPr lang="en-US" dirty="0"/>
               <a:pPr/>
-              <a:t>1/28/2019</a:t>
+              <a:t>2/14/2019</a:t>
             </a:fld>
             <a:endParaRPr lang="en-US" dirty="0"/>
           </a:p>
@@ -4104,7 +4110,7 @@
             <a:fld id="{B61BEF0D-F0BB-DE4B-95CE-6DB70DBA9567}" type="datetimeFigureOut">
               <a:rPr lang="en-US" dirty="0"/>
               <a:pPr/>
-              <a:t>1/28/2019</a:t>
+              <a:t>2/14/2019</a:t>
             </a:fld>
             <a:endParaRPr lang="en-US" dirty="0"/>
           </a:p>
@@ -4384,7 +4390,7 @@
             <a:fld id="{B61BEF0D-F0BB-DE4B-95CE-6DB70DBA9567}" type="datetimeFigureOut">
               <a:rPr lang="en-US" dirty="0"/>
               <a:pPr/>
-              <a:t>1/28/2019</a:t>
+              <a:t>2/14/2019</a:t>
             </a:fld>
             <a:endParaRPr lang="en-US" dirty="0"/>
           </a:p>
@@ -4672,7 +4678,7 @@
             <a:fld id="{B61BEF0D-F0BB-DE4B-95CE-6DB70DBA9567}" type="datetimeFigureOut">
               <a:rPr lang="en-US" dirty="0"/>
               <a:pPr/>
-              <a:t>1/28/2019</a:t>
+              <a:t>2/14/2019</a:t>
             </a:fld>
             <a:endParaRPr lang="en-US" dirty="0"/>
           </a:p>
@@ -4900,7 +4906,7 @@
             <a:fld id="{B61BEF0D-F0BB-DE4B-95CE-6DB70DBA9567}" type="datetimeFigureOut">
               <a:rPr lang="en-US" dirty="0"/>
               <a:pPr/>
-              <a:t>1/28/2019</a:t>
+              <a:t>2/14/2019</a:t>
             </a:fld>
             <a:endParaRPr lang="en-US" dirty="0"/>
           </a:p>
@@ -6261,6 +6267,2039 @@
 </p:sld>
 </file>
 
+<file path=ppt/slides/slide3.xml><?xml version="1.0" encoding="utf-8"?>
+<p:sld xmlns:a="http://schemas.openxmlformats.org/drawingml/2006/main" xmlns:r="http://schemas.openxmlformats.org/officeDocument/2006/relationships" xmlns:p="http://schemas.openxmlformats.org/presentationml/2006/main">
+  <p:cSld>
+    <p:spTree>
+      <p:nvGrpSpPr>
+        <p:cNvPr id="1" name=""/>
+        <p:cNvGrpSpPr/>
+        <p:nvPr/>
+      </p:nvGrpSpPr>
+      <p:grpSpPr>
+        <a:xfrm>
+          <a:off x="0" y="0"/>
+          <a:ext cx="0" cy="0"/>
+          <a:chOff x="0" y="0"/>
+          <a:chExt cx="0" cy="0"/>
+        </a:xfrm>
+      </p:grpSpPr>
+      <p:sp>
+        <p:nvSpPr>
+          <p:cNvPr id="5" name="矩形 4"/>
+          <p:cNvSpPr/>
+          <p:nvPr/>
+        </p:nvSpPr>
+        <p:spPr>
+          <a:xfrm>
+            <a:off x="1850971" y="1017733"/>
+            <a:ext cx="2038304" cy="1098262"/>
+          </a:xfrm>
+          <a:prstGeom prst="rect">
+            <a:avLst/>
+          </a:prstGeom>
+        </p:spPr>
+        <p:style>
+          <a:lnRef idx="2">
+            <a:schemeClr val="accent1">
+              <a:shade val="50000"/>
+            </a:schemeClr>
+          </a:lnRef>
+          <a:fillRef idx="1">
+            <a:schemeClr val="accent1"/>
+          </a:fillRef>
+          <a:effectRef idx="0">
+            <a:schemeClr val="accent1"/>
+          </a:effectRef>
+          <a:fontRef idx="minor">
+            <a:schemeClr val="lt1"/>
+          </a:fontRef>
+        </p:style>
+        <p:txBody>
+          <a:bodyPr rtlCol="0" anchor="ctr"/>
+          <a:lstStyle/>
+          <a:p>
+            <a:pPr algn="ctr"/>
+            <a:r>
+              <a:rPr lang="en-US" altLang="zh-CN" dirty="0" smtClean="0">
+                <a:latin typeface="+mj-ea"/>
+                <a:ea typeface="+mj-ea"/>
+              </a:rPr>
+              <a:t>io1</a:t>
+            </a:r>
+          </a:p>
+          <a:p>
+            <a:pPr algn="ctr"/>
+            <a:endParaRPr lang="zh-CN" altLang="en-US" dirty="0">
+              <a:latin typeface="+mj-ea"/>
+              <a:ea typeface="+mj-ea"/>
+            </a:endParaRPr>
+          </a:p>
+        </p:txBody>
+      </p:sp>
+      <p:sp>
+        <p:nvSpPr>
+          <p:cNvPr id="6" name="矩形 5"/>
+          <p:cNvSpPr/>
+          <p:nvPr/>
+        </p:nvSpPr>
+        <p:spPr>
+          <a:xfrm>
+            <a:off x="1850970" y="1765824"/>
+            <a:ext cx="1665887" cy="350171"/>
+          </a:xfrm>
+          <a:prstGeom prst="rect">
+            <a:avLst/>
+          </a:prstGeom>
+        </p:spPr>
+        <p:style>
+          <a:lnRef idx="2">
+            <a:schemeClr val="accent1">
+              <a:shade val="50000"/>
+            </a:schemeClr>
+          </a:lnRef>
+          <a:fillRef idx="1">
+            <a:schemeClr val="accent1"/>
+          </a:fillRef>
+          <a:effectRef idx="0">
+            <a:schemeClr val="accent1"/>
+          </a:effectRef>
+          <a:fontRef idx="minor">
+            <a:schemeClr val="lt1"/>
+          </a:fontRef>
+        </p:style>
+        <p:txBody>
+          <a:bodyPr rtlCol="0" anchor="ctr"/>
+          <a:lstStyle/>
+          <a:p>
+            <a:pPr algn="ctr"/>
+            <a:r>
+              <a:rPr lang="en-US" altLang="zh-CN" dirty="0" smtClean="0">
+                <a:latin typeface="+mj-ea"/>
+                <a:ea typeface="+mj-ea"/>
+              </a:rPr>
+              <a:t>enp0s3</a:t>
+            </a:r>
+            <a:endParaRPr lang="zh-CN" altLang="en-US" dirty="0">
+              <a:latin typeface="+mj-ea"/>
+              <a:ea typeface="+mj-ea"/>
+            </a:endParaRPr>
+          </a:p>
+        </p:txBody>
+      </p:sp>
+      <p:sp>
+        <p:nvSpPr>
+          <p:cNvPr id="9" name="矩形 8"/>
+          <p:cNvSpPr/>
+          <p:nvPr/>
+        </p:nvSpPr>
+        <p:spPr>
+          <a:xfrm>
+            <a:off x="1850969" y="3506066"/>
+            <a:ext cx="3331775" cy="1098262"/>
+          </a:xfrm>
+          <a:prstGeom prst="rect">
+            <a:avLst/>
+          </a:prstGeom>
+        </p:spPr>
+        <p:style>
+          <a:lnRef idx="2">
+            <a:schemeClr val="accent1">
+              <a:shade val="50000"/>
+            </a:schemeClr>
+          </a:lnRef>
+          <a:fillRef idx="1">
+            <a:schemeClr val="accent1"/>
+          </a:fillRef>
+          <a:effectRef idx="0">
+            <a:schemeClr val="accent1"/>
+          </a:effectRef>
+          <a:fontRef idx="minor">
+            <a:schemeClr val="lt1"/>
+          </a:fontRef>
+        </p:style>
+        <p:txBody>
+          <a:bodyPr rtlCol="0" anchor="ctr"/>
+          <a:lstStyle/>
+          <a:p>
+            <a:pPr algn="ctr"/>
+            <a:r>
+              <a:rPr lang="en-US" altLang="zh-CN" dirty="0" smtClean="0">
+                <a:latin typeface="+mj-ea"/>
+                <a:ea typeface="+mj-ea"/>
+              </a:rPr>
+              <a:t>iscsi</a:t>
+            </a:r>
+          </a:p>
+        </p:txBody>
+      </p:sp>
+      <p:sp>
+        <p:nvSpPr>
+          <p:cNvPr id="10" name="矩形 9"/>
+          <p:cNvSpPr/>
+          <p:nvPr/>
+        </p:nvSpPr>
+        <p:spPr>
+          <a:xfrm>
+            <a:off x="1850969" y="3506066"/>
+            <a:ext cx="1665887" cy="350171"/>
+          </a:xfrm>
+          <a:prstGeom prst="rect">
+            <a:avLst/>
+          </a:prstGeom>
+        </p:spPr>
+        <p:style>
+          <a:lnRef idx="2">
+            <a:schemeClr val="accent1">
+              <a:shade val="50000"/>
+            </a:schemeClr>
+          </a:lnRef>
+          <a:fillRef idx="1">
+            <a:schemeClr val="accent1"/>
+          </a:fillRef>
+          <a:effectRef idx="0">
+            <a:schemeClr val="accent1"/>
+          </a:effectRef>
+          <a:fontRef idx="minor">
+            <a:schemeClr val="lt1"/>
+          </a:fontRef>
+        </p:style>
+        <p:txBody>
+          <a:bodyPr rtlCol="0" anchor="ctr"/>
+          <a:lstStyle/>
+          <a:p>
+            <a:pPr algn="ctr"/>
+            <a:r>
+              <a:rPr lang="en-US" altLang="zh-CN" dirty="0" smtClean="0">
+                <a:latin typeface="+mj-ea"/>
+                <a:ea typeface="+mj-ea"/>
+              </a:rPr>
+              <a:t>enp0s3</a:t>
+            </a:r>
+            <a:endParaRPr lang="zh-CN" altLang="en-US" dirty="0">
+              <a:latin typeface="+mj-ea"/>
+              <a:ea typeface="+mj-ea"/>
+            </a:endParaRPr>
+          </a:p>
+        </p:txBody>
+      </p:sp>
+      <p:sp>
+        <p:nvSpPr>
+          <p:cNvPr id="11" name="圆柱形 10"/>
+          <p:cNvSpPr/>
+          <p:nvPr/>
+        </p:nvSpPr>
+        <p:spPr>
+          <a:xfrm>
+            <a:off x="3465432" y="5249593"/>
+            <a:ext cx="1106568" cy="687183"/>
+          </a:xfrm>
+          <a:prstGeom prst="can">
+            <a:avLst/>
+          </a:prstGeom>
+        </p:spPr>
+        <p:style>
+          <a:lnRef idx="2">
+            <a:schemeClr val="accent1">
+              <a:shade val="50000"/>
+            </a:schemeClr>
+          </a:lnRef>
+          <a:fillRef idx="1">
+            <a:schemeClr val="accent1"/>
+          </a:fillRef>
+          <a:effectRef idx="0">
+            <a:schemeClr val="accent1"/>
+          </a:effectRef>
+          <a:fontRef idx="minor">
+            <a:schemeClr val="lt1"/>
+          </a:fontRef>
+        </p:style>
+        <p:txBody>
+          <a:bodyPr rtlCol="0" anchor="ctr"/>
+          <a:lstStyle/>
+          <a:p>
+            <a:pPr algn="ctr"/>
+            <a:r>
+              <a:rPr lang="en-US" altLang="zh-CN" sz="1400" dirty="0" smtClean="0">
+                <a:latin typeface="+mj-ea"/>
+                <a:ea typeface="+mj-ea"/>
+              </a:rPr>
+              <a:t>/dev/sdb</a:t>
+            </a:r>
+          </a:p>
+          <a:p>
+            <a:pPr algn="ctr"/>
+            <a:r>
+              <a:rPr lang="en-US" altLang="zh-CN" sz="1400" dirty="0" smtClean="0">
+                <a:latin typeface="+mj-ea"/>
+                <a:ea typeface="+mj-ea"/>
+              </a:rPr>
+              <a:t>200M</a:t>
+            </a:r>
+            <a:endParaRPr lang="zh-CN" altLang="en-US" sz="1400" dirty="0">
+              <a:latin typeface="+mj-ea"/>
+              <a:ea typeface="+mj-ea"/>
+            </a:endParaRPr>
+          </a:p>
+        </p:txBody>
+      </p:sp>
+      <p:cxnSp>
+        <p:nvCxnSpPr>
+          <p:cNvPr id="12" name="直接连接符 11"/>
+          <p:cNvCxnSpPr>
+            <a:stCxn id="11" idx="1"/>
+          </p:cNvCxnSpPr>
+          <p:nvPr/>
+        </p:nvCxnSpPr>
+        <p:spPr>
+          <a:xfrm flipV="1">
+            <a:off x="4018716" y="4604329"/>
+            <a:ext cx="305371" cy="645264"/>
+          </a:xfrm>
+          <a:prstGeom prst="line">
+            <a:avLst/>
+          </a:prstGeom>
+        </p:spPr>
+        <p:style>
+          <a:lnRef idx="1">
+            <a:schemeClr val="accent1"/>
+          </a:lnRef>
+          <a:fillRef idx="0">
+            <a:schemeClr val="accent1"/>
+          </a:fillRef>
+          <a:effectRef idx="0">
+            <a:schemeClr val="accent1"/>
+          </a:effectRef>
+          <a:fontRef idx="minor">
+            <a:schemeClr val="tx1"/>
+          </a:fontRef>
+        </p:style>
+      </p:cxnSp>
+      <p:cxnSp>
+        <p:nvCxnSpPr>
+          <p:cNvPr id="13" name="直接连接符 12"/>
+          <p:cNvCxnSpPr/>
+          <p:nvPr/>
+        </p:nvCxnSpPr>
+        <p:spPr>
+          <a:xfrm>
+            <a:off x="1850969" y="2725382"/>
+            <a:ext cx="9353843" cy="0"/>
+          </a:xfrm>
+          <a:prstGeom prst="line">
+            <a:avLst/>
+          </a:prstGeom>
+          <a:ln w="28575"/>
+        </p:spPr>
+        <p:style>
+          <a:lnRef idx="1">
+            <a:schemeClr val="accent1"/>
+          </a:lnRef>
+          <a:fillRef idx="0">
+            <a:schemeClr val="accent1"/>
+          </a:fillRef>
+          <a:effectRef idx="0">
+            <a:schemeClr val="accent1"/>
+          </a:effectRef>
+          <a:fontRef idx="minor">
+            <a:schemeClr val="tx1"/>
+          </a:fontRef>
+        </p:style>
+      </p:cxnSp>
+      <p:cxnSp>
+        <p:nvCxnSpPr>
+          <p:cNvPr id="14" name="直接连接符 13"/>
+          <p:cNvCxnSpPr>
+            <a:stCxn id="10" idx="0"/>
+          </p:cNvCxnSpPr>
+          <p:nvPr/>
+        </p:nvCxnSpPr>
+        <p:spPr>
+          <a:xfrm flipV="1">
+            <a:off x="2683912" y="2115996"/>
+            <a:ext cx="0" cy="1390070"/>
+          </a:xfrm>
+          <a:prstGeom prst="line">
+            <a:avLst/>
+          </a:prstGeom>
+          <a:ln w="28575"/>
+        </p:spPr>
+        <p:style>
+          <a:lnRef idx="1">
+            <a:schemeClr val="accent1"/>
+          </a:lnRef>
+          <a:fillRef idx="0">
+            <a:schemeClr val="accent1"/>
+          </a:fillRef>
+          <a:effectRef idx="0">
+            <a:schemeClr val="accent1"/>
+          </a:effectRef>
+          <a:fontRef idx="minor">
+            <a:schemeClr val="tx1"/>
+          </a:fontRef>
+        </p:style>
+      </p:cxnSp>
+      <p:cxnSp>
+        <p:nvCxnSpPr>
+          <p:cNvPr id="15" name="直接连接符 14"/>
+          <p:cNvCxnSpPr/>
+          <p:nvPr/>
+        </p:nvCxnSpPr>
+        <p:spPr>
+          <a:xfrm flipV="1">
+            <a:off x="5043402" y="2080117"/>
+            <a:ext cx="0" cy="645265"/>
+          </a:xfrm>
+          <a:prstGeom prst="line">
+            <a:avLst/>
+          </a:prstGeom>
+          <a:ln w="28575"/>
+        </p:spPr>
+        <p:style>
+          <a:lnRef idx="1">
+            <a:schemeClr val="accent1"/>
+          </a:lnRef>
+          <a:fillRef idx="0">
+            <a:schemeClr val="accent1"/>
+          </a:fillRef>
+          <a:effectRef idx="0">
+            <a:schemeClr val="accent1"/>
+          </a:effectRef>
+          <a:fontRef idx="minor">
+            <a:schemeClr val="tx1"/>
+          </a:fontRef>
+        </p:style>
+      </p:cxnSp>
+      <p:sp>
+        <p:nvSpPr>
+          <p:cNvPr id="16" name="矩形 15"/>
+          <p:cNvSpPr/>
+          <p:nvPr/>
+        </p:nvSpPr>
+        <p:spPr>
+          <a:xfrm>
+            <a:off x="4163592" y="1017733"/>
+            <a:ext cx="2038304" cy="1098262"/>
+          </a:xfrm>
+          <a:prstGeom prst="rect">
+            <a:avLst/>
+          </a:prstGeom>
+        </p:spPr>
+        <p:style>
+          <a:lnRef idx="2">
+            <a:schemeClr val="accent1">
+              <a:shade val="50000"/>
+            </a:schemeClr>
+          </a:lnRef>
+          <a:fillRef idx="1">
+            <a:schemeClr val="accent1"/>
+          </a:fillRef>
+          <a:effectRef idx="0">
+            <a:schemeClr val="accent1"/>
+          </a:effectRef>
+          <a:fontRef idx="minor">
+            <a:schemeClr val="lt1"/>
+          </a:fontRef>
+        </p:style>
+        <p:txBody>
+          <a:bodyPr rtlCol="0" anchor="ctr"/>
+          <a:lstStyle/>
+          <a:p>
+            <a:pPr algn="ctr"/>
+            <a:r>
+              <a:rPr lang="en-US" altLang="zh-CN" dirty="0" smtClean="0">
+                <a:latin typeface="+mj-ea"/>
+                <a:ea typeface="+mj-ea"/>
+              </a:rPr>
+              <a:t>io2</a:t>
+            </a:r>
+          </a:p>
+          <a:p>
+            <a:pPr algn="ctr"/>
+            <a:endParaRPr lang="zh-CN" altLang="en-US" dirty="0">
+              <a:latin typeface="+mj-ea"/>
+              <a:ea typeface="+mj-ea"/>
+            </a:endParaRPr>
+          </a:p>
+        </p:txBody>
+      </p:sp>
+      <p:sp>
+        <p:nvSpPr>
+          <p:cNvPr id="17" name="矩形 16"/>
+          <p:cNvSpPr/>
+          <p:nvPr/>
+        </p:nvSpPr>
+        <p:spPr>
+          <a:xfrm>
+            <a:off x="4163591" y="1765824"/>
+            <a:ext cx="1665887" cy="350171"/>
+          </a:xfrm>
+          <a:prstGeom prst="rect">
+            <a:avLst/>
+          </a:prstGeom>
+        </p:spPr>
+        <p:style>
+          <a:lnRef idx="2">
+            <a:schemeClr val="accent1">
+              <a:shade val="50000"/>
+            </a:schemeClr>
+          </a:lnRef>
+          <a:fillRef idx="1">
+            <a:schemeClr val="accent1"/>
+          </a:fillRef>
+          <a:effectRef idx="0">
+            <a:schemeClr val="accent1"/>
+          </a:effectRef>
+          <a:fontRef idx="minor">
+            <a:schemeClr val="lt1"/>
+          </a:fontRef>
+        </p:style>
+        <p:txBody>
+          <a:bodyPr rtlCol="0" anchor="ctr"/>
+          <a:lstStyle/>
+          <a:p>
+            <a:pPr algn="ctr"/>
+            <a:r>
+              <a:rPr lang="en-US" altLang="zh-CN" dirty="0" smtClean="0">
+                <a:latin typeface="+mj-ea"/>
+                <a:ea typeface="+mj-ea"/>
+              </a:rPr>
+              <a:t>enp0s3</a:t>
+            </a:r>
+            <a:endParaRPr lang="zh-CN" altLang="en-US" dirty="0">
+              <a:latin typeface="+mj-ea"/>
+              <a:ea typeface="+mj-ea"/>
+            </a:endParaRPr>
+          </a:p>
+        </p:txBody>
+      </p:sp>
+      <p:cxnSp>
+        <p:nvCxnSpPr>
+          <p:cNvPr id="18" name="直接连接符 17"/>
+          <p:cNvCxnSpPr/>
+          <p:nvPr/>
+        </p:nvCxnSpPr>
+        <p:spPr>
+          <a:xfrm flipV="1">
+            <a:off x="7402891" y="2080117"/>
+            <a:ext cx="0" cy="645265"/>
+          </a:xfrm>
+          <a:prstGeom prst="line">
+            <a:avLst/>
+          </a:prstGeom>
+          <a:ln w="28575"/>
+        </p:spPr>
+        <p:style>
+          <a:lnRef idx="1">
+            <a:schemeClr val="accent1"/>
+          </a:lnRef>
+          <a:fillRef idx="0">
+            <a:schemeClr val="accent1"/>
+          </a:fillRef>
+          <a:effectRef idx="0">
+            <a:schemeClr val="accent1"/>
+          </a:effectRef>
+          <a:fontRef idx="minor">
+            <a:schemeClr val="tx1"/>
+          </a:fontRef>
+        </p:style>
+      </p:cxnSp>
+      <p:sp>
+        <p:nvSpPr>
+          <p:cNvPr id="19" name="矩形 18"/>
+          <p:cNvSpPr/>
+          <p:nvPr/>
+        </p:nvSpPr>
+        <p:spPr>
+          <a:xfrm>
+            <a:off x="6523081" y="1017733"/>
+            <a:ext cx="2038304" cy="1098262"/>
+          </a:xfrm>
+          <a:prstGeom prst="rect">
+            <a:avLst/>
+          </a:prstGeom>
+        </p:spPr>
+        <p:style>
+          <a:lnRef idx="2">
+            <a:schemeClr val="accent1">
+              <a:shade val="50000"/>
+            </a:schemeClr>
+          </a:lnRef>
+          <a:fillRef idx="1">
+            <a:schemeClr val="accent1"/>
+          </a:fillRef>
+          <a:effectRef idx="0">
+            <a:schemeClr val="accent1"/>
+          </a:effectRef>
+          <a:fontRef idx="minor">
+            <a:schemeClr val="lt1"/>
+          </a:fontRef>
+        </p:style>
+        <p:txBody>
+          <a:bodyPr rtlCol="0" anchor="ctr"/>
+          <a:lstStyle/>
+          <a:p>
+            <a:pPr algn="ctr"/>
+            <a:r>
+              <a:rPr lang="en-US" altLang="zh-CN" dirty="0" smtClean="0">
+                <a:latin typeface="+mj-ea"/>
+                <a:ea typeface="+mj-ea"/>
+              </a:rPr>
+              <a:t>io3</a:t>
+            </a:r>
+          </a:p>
+          <a:p>
+            <a:pPr algn="ctr"/>
+            <a:endParaRPr lang="zh-CN" altLang="en-US" dirty="0">
+              <a:latin typeface="+mj-ea"/>
+              <a:ea typeface="+mj-ea"/>
+            </a:endParaRPr>
+          </a:p>
+        </p:txBody>
+      </p:sp>
+      <p:sp>
+        <p:nvSpPr>
+          <p:cNvPr id="20" name="矩形 19"/>
+          <p:cNvSpPr/>
+          <p:nvPr/>
+        </p:nvSpPr>
+        <p:spPr>
+          <a:xfrm>
+            <a:off x="6523080" y="1765824"/>
+            <a:ext cx="1665887" cy="350171"/>
+          </a:xfrm>
+          <a:prstGeom prst="rect">
+            <a:avLst/>
+          </a:prstGeom>
+        </p:spPr>
+        <p:style>
+          <a:lnRef idx="2">
+            <a:schemeClr val="accent1">
+              <a:shade val="50000"/>
+            </a:schemeClr>
+          </a:lnRef>
+          <a:fillRef idx="1">
+            <a:schemeClr val="accent1"/>
+          </a:fillRef>
+          <a:effectRef idx="0">
+            <a:schemeClr val="accent1"/>
+          </a:effectRef>
+          <a:fontRef idx="minor">
+            <a:schemeClr val="lt1"/>
+          </a:fontRef>
+        </p:style>
+        <p:txBody>
+          <a:bodyPr rtlCol="0" anchor="ctr"/>
+          <a:lstStyle/>
+          <a:p>
+            <a:pPr algn="ctr"/>
+            <a:r>
+              <a:rPr lang="en-US" altLang="zh-CN" dirty="0" smtClean="0">
+                <a:latin typeface="+mj-ea"/>
+                <a:ea typeface="+mj-ea"/>
+              </a:rPr>
+              <a:t>enp0s3</a:t>
+            </a:r>
+            <a:endParaRPr lang="zh-CN" altLang="en-US" dirty="0">
+              <a:latin typeface="+mj-ea"/>
+              <a:ea typeface="+mj-ea"/>
+            </a:endParaRPr>
+          </a:p>
+        </p:txBody>
+      </p:sp>
+      <p:cxnSp>
+        <p:nvCxnSpPr>
+          <p:cNvPr id="21" name="直接连接符 20"/>
+          <p:cNvCxnSpPr/>
+          <p:nvPr/>
+        </p:nvCxnSpPr>
+        <p:spPr>
+          <a:xfrm flipV="1">
+            <a:off x="9759719" y="2080117"/>
+            <a:ext cx="0" cy="645265"/>
+          </a:xfrm>
+          <a:prstGeom prst="line">
+            <a:avLst/>
+          </a:prstGeom>
+          <a:ln w="28575"/>
+        </p:spPr>
+        <p:style>
+          <a:lnRef idx="1">
+            <a:schemeClr val="accent1"/>
+          </a:lnRef>
+          <a:fillRef idx="0">
+            <a:schemeClr val="accent1"/>
+          </a:fillRef>
+          <a:effectRef idx="0">
+            <a:schemeClr val="accent1"/>
+          </a:effectRef>
+          <a:fontRef idx="minor">
+            <a:schemeClr val="tx1"/>
+          </a:fontRef>
+        </p:style>
+      </p:cxnSp>
+      <p:sp>
+        <p:nvSpPr>
+          <p:cNvPr id="22" name="矩形 21"/>
+          <p:cNvSpPr/>
+          <p:nvPr/>
+        </p:nvSpPr>
+        <p:spPr>
+          <a:xfrm>
+            <a:off x="8879909" y="1017733"/>
+            <a:ext cx="2038304" cy="1098262"/>
+          </a:xfrm>
+          <a:prstGeom prst="rect">
+            <a:avLst/>
+          </a:prstGeom>
+        </p:spPr>
+        <p:style>
+          <a:lnRef idx="2">
+            <a:schemeClr val="accent1">
+              <a:shade val="50000"/>
+            </a:schemeClr>
+          </a:lnRef>
+          <a:fillRef idx="1">
+            <a:schemeClr val="accent1"/>
+          </a:fillRef>
+          <a:effectRef idx="0">
+            <a:schemeClr val="accent1"/>
+          </a:effectRef>
+          <a:fontRef idx="minor">
+            <a:schemeClr val="lt1"/>
+          </a:fontRef>
+        </p:style>
+        <p:txBody>
+          <a:bodyPr rtlCol="0" anchor="ctr"/>
+          <a:lstStyle/>
+          <a:p>
+            <a:pPr algn="ctr"/>
+            <a:r>
+              <a:rPr lang="en-US" altLang="zh-CN" dirty="0" smtClean="0">
+                <a:latin typeface="+mj-ea"/>
+                <a:ea typeface="+mj-ea"/>
+              </a:rPr>
+              <a:t>io4</a:t>
+            </a:r>
+          </a:p>
+          <a:p>
+            <a:pPr algn="ctr"/>
+            <a:endParaRPr lang="zh-CN" altLang="en-US" dirty="0">
+              <a:latin typeface="+mj-ea"/>
+              <a:ea typeface="+mj-ea"/>
+            </a:endParaRPr>
+          </a:p>
+        </p:txBody>
+      </p:sp>
+      <p:sp>
+        <p:nvSpPr>
+          <p:cNvPr id="23" name="矩形 22"/>
+          <p:cNvSpPr/>
+          <p:nvPr/>
+        </p:nvSpPr>
+        <p:spPr>
+          <a:xfrm>
+            <a:off x="8879908" y="1765824"/>
+            <a:ext cx="1665887" cy="350171"/>
+          </a:xfrm>
+          <a:prstGeom prst="rect">
+            <a:avLst/>
+          </a:prstGeom>
+        </p:spPr>
+        <p:style>
+          <a:lnRef idx="2">
+            <a:schemeClr val="accent1">
+              <a:shade val="50000"/>
+            </a:schemeClr>
+          </a:lnRef>
+          <a:fillRef idx="1">
+            <a:schemeClr val="accent1"/>
+          </a:fillRef>
+          <a:effectRef idx="0">
+            <a:schemeClr val="accent1"/>
+          </a:effectRef>
+          <a:fontRef idx="minor">
+            <a:schemeClr val="lt1"/>
+          </a:fontRef>
+        </p:style>
+        <p:txBody>
+          <a:bodyPr rtlCol="0" anchor="ctr"/>
+          <a:lstStyle/>
+          <a:p>
+            <a:pPr algn="ctr"/>
+            <a:r>
+              <a:rPr lang="en-US" altLang="zh-CN" dirty="0" smtClean="0">
+                <a:latin typeface="+mj-ea"/>
+                <a:ea typeface="+mj-ea"/>
+              </a:rPr>
+              <a:t>enp0s3</a:t>
+            </a:r>
+            <a:endParaRPr lang="zh-CN" altLang="en-US" dirty="0">
+              <a:latin typeface="+mj-ea"/>
+              <a:ea typeface="+mj-ea"/>
+            </a:endParaRPr>
+          </a:p>
+        </p:txBody>
+      </p:sp>
+      <p:sp>
+        <p:nvSpPr>
+          <p:cNvPr id="25" name="圆柱形 24"/>
+          <p:cNvSpPr/>
+          <p:nvPr/>
+        </p:nvSpPr>
+        <p:spPr>
+          <a:xfrm>
+            <a:off x="4753417" y="5249593"/>
+            <a:ext cx="1106568" cy="687183"/>
+          </a:xfrm>
+          <a:prstGeom prst="can">
+            <a:avLst/>
+          </a:prstGeom>
+        </p:spPr>
+        <p:style>
+          <a:lnRef idx="2">
+            <a:schemeClr val="accent1">
+              <a:shade val="50000"/>
+            </a:schemeClr>
+          </a:lnRef>
+          <a:fillRef idx="1">
+            <a:schemeClr val="accent1"/>
+          </a:fillRef>
+          <a:effectRef idx="0">
+            <a:schemeClr val="accent1"/>
+          </a:effectRef>
+          <a:fontRef idx="minor">
+            <a:schemeClr val="lt1"/>
+          </a:fontRef>
+        </p:style>
+        <p:txBody>
+          <a:bodyPr rtlCol="0" anchor="ctr"/>
+          <a:lstStyle/>
+          <a:p>
+            <a:pPr algn="ctr"/>
+            <a:r>
+              <a:rPr lang="en-US" altLang="zh-CN" sz="1400" dirty="0" smtClean="0">
+                <a:latin typeface="+mj-ea"/>
+                <a:ea typeface="+mj-ea"/>
+              </a:rPr>
+              <a:t>/dev/sdc</a:t>
+            </a:r>
+          </a:p>
+          <a:p>
+            <a:pPr algn="ctr"/>
+            <a:r>
+              <a:rPr lang="en-US" altLang="zh-CN" sz="1400" dirty="0" smtClean="0">
+                <a:latin typeface="+mj-ea"/>
+                <a:ea typeface="+mj-ea"/>
+              </a:rPr>
+              <a:t>8GB</a:t>
+            </a:r>
+            <a:endParaRPr lang="zh-CN" altLang="en-US" sz="1400" dirty="0">
+              <a:latin typeface="+mj-ea"/>
+              <a:ea typeface="+mj-ea"/>
+            </a:endParaRPr>
+          </a:p>
+        </p:txBody>
+      </p:sp>
+      <p:sp>
+        <p:nvSpPr>
+          <p:cNvPr id="26" name="圆柱形 25"/>
+          <p:cNvSpPr/>
+          <p:nvPr/>
+        </p:nvSpPr>
+        <p:spPr>
+          <a:xfrm>
+            <a:off x="6048776" y="5249593"/>
+            <a:ext cx="1106568" cy="687183"/>
+          </a:xfrm>
+          <a:prstGeom prst="can">
+            <a:avLst/>
+          </a:prstGeom>
+        </p:spPr>
+        <p:style>
+          <a:lnRef idx="2">
+            <a:schemeClr val="accent1">
+              <a:shade val="50000"/>
+            </a:schemeClr>
+          </a:lnRef>
+          <a:fillRef idx="1">
+            <a:schemeClr val="accent1"/>
+          </a:fillRef>
+          <a:effectRef idx="0">
+            <a:schemeClr val="accent1"/>
+          </a:effectRef>
+          <a:fontRef idx="minor">
+            <a:schemeClr val="lt1"/>
+          </a:fontRef>
+        </p:style>
+        <p:txBody>
+          <a:bodyPr rtlCol="0" anchor="ctr"/>
+          <a:lstStyle/>
+          <a:p>
+            <a:pPr algn="ctr"/>
+            <a:r>
+              <a:rPr lang="en-US" altLang="zh-CN" sz="1400" dirty="0" smtClean="0">
+                <a:latin typeface="+mj-ea"/>
+                <a:ea typeface="+mj-ea"/>
+              </a:rPr>
+              <a:t>/dev/sdd</a:t>
+            </a:r>
+          </a:p>
+          <a:p>
+            <a:pPr algn="ctr"/>
+            <a:r>
+              <a:rPr lang="en-US" altLang="zh-CN" sz="1400" dirty="0" smtClean="0">
+                <a:latin typeface="+mj-ea"/>
+                <a:ea typeface="+mj-ea"/>
+              </a:rPr>
+              <a:t>8GB</a:t>
+            </a:r>
+            <a:endParaRPr lang="zh-CN" altLang="en-US" sz="1400" dirty="0">
+              <a:latin typeface="+mj-ea"/>
+              <a:ea typeface="+mj-ea"/>
+            </a:endParaRPr>
+          </a:p>
+        </p:txBody>
+      </p:sp>
+      <p:sp>
+        <p:nvSpPr>
+          <p:cNvPr id="27" name="圆柱形 26"/>
+          <p:cNvSpPr/>
+          <p:nvPr/>
+        </p:nvSpPr>
+        <p:spPr>
+          <a:xfrm>
+            <a:off x="7344135" y="5249593"/>
+            <a:ext cx="1106568" cy="687183"/>
+          </a:xfrm>
+          <a:prstGeom prst="can">
+            <a:avLst/>
+          </a:prstGeom>
+        </p:spPr>
+        <p:style>
+          <a:lnRef idx="2">
+            <a:schemeClr val="accent1">
+              <a:shade val="50000"/>
+            </a:schemeClr>
+          </a:lnRef>
+          <a:fillRef idx="1">
+            <a:schemeClr val="accent1"/>
+          </a:fillRef>
+          <a:effectRef idx="0">
+            <a:schemeClr val="accent1"/>
+          </a:effectRef>
+          <a:fontRef idx="minor">
+            <a:schemeClr val="lt1"/>
+          </a:fontRef>
+        </p:style>
+        <p:txBody>
+          <a:bodyPr rtlCol="0" anchor="ctr"/>
+          <a:lstStyle/>
+          <a:p>
+            <a:pPr algn="ctr"/>
+            <a:r>
+              <a:rPr lang="en-US" altLang="zh-CN" sz="1400" dirty="0" smtClean="0">
+                <a:latin typeface="+mj-ea"/>
+                <a:ea typeface="+mj-ea"/>
+              </a:rPr>
+              <a:t>/dev/sde</a:t>
+            </a:r>
+          </a:p>
+          <a:p>
+            <a:pPr algn="ctr"/>
+            <a:r>
+              <a:rPr lang="en-US" altLang="zh-CN" sz="1400" dirty="0" smtClean="0">
+                <a:latin typeface="+mj-ea"/>
+                <a:ea typeface="+mj-ea"/>
+              </a:rPr>
+              <a:t>8GB</a:t>
+            </a:r>
+            <a:endParaRPr lang="zh-CN" altLang="en-US" sz="1400" dirty="0">
+              <a:latin typeface="+mj-ea"/>
+              <a:ea typeface="+mj-ea"/>
+            </a:endParaRPr>
+          </a:p>
+        </p:txBody>
+      </p:sp>
+      <p:sp>
+        <p:nvSpPr>
+          <p:cNvPr id="28" name="圆柱形 27"/>
+          <p:cNvSpPr/>
+          <p:nvPr/>
+        </p:nvSpPr>
+        <p:spPr>
+          <a:xfrm>
+            <a:off x="8561385" y="5249593"/>
+            <a:ext cx="1106568" cy="687183"/>
+          </a:xfrm>
+          <a:prstGeom prst="can">
+            <a:avLst/>
+          </a:prstGeom>
+        </p:spPr>
+        <p:style>
+          <a:lnRef idx="2">
+            <a:schemeClr val="accent1">
+              <a:shade val="50000"/>
+            </a:schemeClr>
+          </a:lnRef>
+          <a:fillRef idx="1">
+            <a:schemeClr val="accent1"/>
+          </a:fillRef>
+          <a:effectRef idx="0">
+            <a:schemeClr val="accent1"/>
+          </a:effectRef>
+          <a:fontRef idx="minor">
+            <a:schemeClr val="lt1"/>
+          </a:fontRef>
+        </p:style>
+        <p:txBody>
+          <a:bodyPr rtlCol="0" anchor="ctr"/>
+          <a:lstStyle/>
+          <a:p>
+            <a:pPr algn="ctr"/>
+            <a:r>
+              <a:rPr lang="en-US" altLang="zh-CN" sz="1400" dirty="0" smtClean="0">
+                <a:latin typeface="+mj-ea"/>
+                <a:ea typeface="+mj-ea"/>
+              </a:rPr>
+              <a:t>/dev/sdf</a:t>
+            </a:r>
+          </a:p>
+          <a:p>
+            <a:pPr algn="ctr"/>
+            <a:r>
+              <a:rPr lang="en-US" altLang="zh-CN" sz="1400" dirty="0" smtClean="0">
+                <a:latin typeface="+mj-ea"/>
+                <a:ea typeface="+mj-ea"/>
+              </a:rPr>
+              <a:t>8GB</a:t>
+            </a:r>
+            <a:endParaRPr lang="zh-CN" altLang="en-US" sz="1400" dirty="0">
+              <a:latin typeface="+mj-ea"/>
+              <a:ea typeface="+mj-ea"/>
+            </a:endParaRPr>
+          </a:p>
+        </p:txBody>
+      </p:sp>
+      <p:sp>
+        <p:nvSpPr>
+          <p:cNvPr id="29" name="圆柱形 28"/>
+          <p:cNvSpPr/>
+          <p:nvPr/>
+        </p:nvSpPr>
+        <p:spPr>
+          <a:xfrm>
+            <a:off x="9759719" y="5249593"/>
+            <a:ext cx="1106568" cy="687183"/>
+          </a:xfrm>
+          <a:prstGeom prst="can">
+            <a:avLst/>
+          </a:prstGeom>
+        </p:spPr>
+        <p:style>
+          <a:lnRef idx="2">
+            <a:schemeClr val="accent1">
+              <a:shade val="50000"/>
+            </a:schemeClr>
+          </a:lnRef>
+          <a:fillRef idx="1">
+            <a:schemeClr val="accent1"/>
+          </a:fillRef>
+          <a:effectRef idx="0">
+            <a:schemeClr val="accent1"/>
+          </a:effectRef>
+          <a:fontRef idx="minor">
+            <a:schemeClr val="lt1"/>
+          </a:fontRef>
+        </p:style>
+        <p:txBody>
+          <a:bodyPr rtlCol="0" anchor="ctr"/>
+          <a:lstStyle/>
+          <a:p>
+            <a:pPr algn="ctr"/>
+            <a:r>
+              <a:rPr lang="en-US" altLang="zh-CN" sz="1400" dirty="0" smtClean="0">
+                <a:latin typeface="+mj-ea"/>
+                <a:ea typeface="+mj-ea"/>
+              </a:rPr>
+              <a:t>/dev/sdg</a:t>
+            </a:r>
+          </a:p>
+          <a:p>
+            <a:pPr algn="ctr"/>
+            <a:r>
+              <a:rPr lang="en-US" altLang="zh-CN" sz="1400" dirty="0" smtClean="0">
+                <a:latin typeface="+mj-ea"/>
+                <a:ea typeface="+mj-ea"/>
+              </a:rPr>
+              <a:t>8GB</a:t>
+            </a:r>
+            <a:endParaRPr lang="zh-CN" altLang="en-US" sz="1400" dirty="0">
+              <a:latin typeface="+mj-ea"/>
+              <a:ea typeface="+mj-ea"/>
+            </a:endParaRPr>
+          </a:p>
+        </p:txBody>
+      </p:sp>
+      <p:cxnSp>
+        <p:nvCxnSpPr>
+          <p:cNvPr id="30" name="直接连接符 29"/>
+          <p:cNvCxnSpPr>
+            <a:stCxn id="25" idx="1"/>
+          </p:cNvCxnSpPr>
+          <p:nvPr/>
+        </p:nvCxnSpPr>
+        <p:spPr>
+          <a:xfrm flipH="1" flipV="1">
+            <a:off x="4554849" y="4604329"/>
+            <a:ext cx="751852" cy="645264"/>
+          </a:xfrm>
+          <a:prstGeom prst="line">
+            <a:avLst/>
+          </a:prstGeom>
+        </p:spPr>
+        <p:style>
+          <a:lnRef idx="1">
+            <a:schemeClr val="accent1"/>
+          </a:lnRef>
+          <a:fillRef idx="0">
+            <a:schemeClr val="accent1"/>
+          </a:fillRef>
+          <a:effectRef idx="0">
+            <a:schemeClr val="accent1"/>
+          </a:effectRef>
+          <a:fontRef idx="minor">
+            <a:schemeClr val="tx1"/>
+          </a:fontRef>
+        </p:style>
+      </p:cxnSp>
+      <p:cxnSp>
+        <p:nvCxnSpPr>
+          <p:cNvPr id="32" name="直接连接符 31"/>
+          <p:cNvCxnSpPr>
+            <a:stCxn id="26" idx="1"/>
+          </p:cNvCxnSpPr>
+          <p:nvPr/>
+        </p:nvCxnSpPr>
+        <p:spPr>
+          <a:xfrm flipH="1" flipV="1">
+            <a:off x="4661651" y="4604328"/>
+            <a:ext cx="1940409" cy="645265"/>
+          </a:xfrm>
+          <a:prstGeom prst="line">
+            <a:avLst/>
+          </a:prstGeom>
+        </p:spPr>
+        <p:style>
+          <a:lnRef idx="1">
+            <a:schemeClr val="accent1"/>
+          </a:lnRef>
+          <a:fillRef idx="0">
+            <a:schemeClr val="accent1"/>
+          </a:fillRef>
+          <a:effectRef idx="0">
+            <a:schemeClr val="accent1"/>
+          </a:effectRef>
+          <a:fontRef idx="minor">
+            <a:schemeClr val="tx1"/>
+          </a:fontRef>
+        </p:style>
+      </p:cxnSp>
+      <p:sp>
+        <p:nvSpPr>
+          <p:cNvPr id="35" name="矩形 34"/>
+          <p:cNvSpPr/>
+          <p:nvPr/>
+        </p:nvSpPr>
+        <p:spPr>
+          <a:xfrm>
+            <a:off x="3753258" y="5936776"/>
+            <a:ext cx="530916" cy="369332"/>
+          </a:xfrm>
+          <a:prstGeom prst="rect">
+            <a:avLst/>
+          </a:prstGeom>
+        </p:spPr>
+        <p:txBody>
+          <a:bodyPr wrap="none">
+            <a:spAutoFit/>
+          </a:bodyPr>
+          <a:lstStyle/>
+          <a:p>
+            <a:pPr algn="ctr"/>
+            <a:r>
+              <a:rPr lang="en-US" altLang="zh-CN" dirty="0" smtClean="0">
+                <a:solidFill>
+                  <a:schemeClr val="accent1">
+                    <a:lumMod val="60000"/>
+                    <a:lumOff val="40000"/>
+                  </a:schemeClr>
+                </a:solidFill>
+                <a:latin typeface="+mj-ea"/>
+              </a:rPr>
+              <a:t>mgt</a:t>
+            </a:r>
+            <a:endParaRPr lang="en-US" altLang="zh-CN" dirty="0">
+              <a:solidFill>
+                <a:schemeClr val="accent1">
+                  <a:lumMod val="60000"/>
+                  <a:lumOff val="40000"/>
+                </a:schemeClr>
+              </a:solidFill>
+              <a:latin typeface="+mj-ea"/>
+            </a:endParaRPr>
+          </a:p>
+        </p:txBody>
+      </p:sp>
+      <p:sp>
+        <p:nvSpPr>
+          <p:cNvPr id="36" name="矩形 35"/>
+          <p:cNvSpPr/>
+          <p:nvPr/>
+        </p:nvSpPr>
+        <p:spPr>
+          <a:xfrm>
+            <a:off x="5040641" y="5936776"/>
+            <a:ext cx="530916" cy="369332"/>
+          </a:xfrm>
+          <a:prstGeom prst="rect">
+            <a:avLst/>
+          </a:prstGeom>
+        </p:spPr>
+        <p:txBody>
+          <a:bodyPr wrap="none">
+            <a:spAutoFit/>
+          </a:bodyPr>
+          <a:lstStyle/>
+          <a:p>
+            <a:pPr algn="ctr"/>
+            <a:r>
+              <a:rPr lang="en-US" altLang="zh-CN" dirty="0" smtClean="0">
+                <a:solidFill>
+                  <a:schemeClr val="accent1">
+                    <a:lumMod val="60000"/>
+                    <a:lumOff val="40000"/>
+                  </a:schemeClr>
+                </a:solidFill>
+                <a:latin typeface="+mj-ea"/>
+              </a:rPr>
+              <a:t>mdt</a:t>
+            </a:r>
+            <a:endParaRPr lang="en-US" altLang="zh-CN" dirty="0">
+              <a:solidFill>
+                <a:schemeClr val="accent1">
+                  <a:lumMod val="60000"/>
+                  <a:lumOff val="40000"/>
+                </a:schemeClr>
+              </a:solidFill>
+              <a:latin typeface="+mj-ea"/>
+            </a:endParaRPr>
+          </a:p>
+        </p:txBody>
+      </p:sp>
+      <p:sp>
+        <p:nvSpPr>
+          <p:cNvPr id="37" name="矩形 36"/>
+          <p:cNvSpPr/>
+          <p:nvPr/>
+        </p:nvSpPr>
+        <p:spPr>
+          <a:xfrm>
+            <a:off x="6270428" y="5936776"/>
+            <a:ext cx="646331" cy="369332"/>
+          </a:xfrm>
+          <a:prstGeom prst="rect">
+            <a:avLst/>
+          </a:prstGeom>
+        </p:spPr>
+        <p:txBody>
+          <a:bodyPr wrap="none">
+            <a:spAutoFit/>
+          </a:bodyPr>
+          <a:lstStyle/>
+          <a:p>
+            <a:pPr algn="ctr"/>
+            <a:r>
+              <a:rPr lang="en-US" altLang="zh-CN" dirty="0" smtClean="0">
+                <a:solidFill>
+                  <a:schemeClr val="accent1">
+                    <a:lumMod val="60000"/>
+                    <a:lumOff val="40000"/>
+                  </a:schemeClr>
+                </a:solidFill>
+                <a:latin typeface="+mj-ea"/>
+              </a:rPr>
+              <a:t>ost0</a:t>
+            </a:r>
+            <a:endParaRPr lang="en-US" altLang="zh-CN" dirty="0">
+              <a:solidFill>
+                <a:schemeClr val="accent1">
+                  <a:lumMod val="60000"/>
+                  <a:lumOff val="40000"/>
+                </a:schemeClr>
+              </a:solidFill>
+              <a:latin typeface="+mj-ea"/>
+            </a:endParaRPr>
+          </a:p>
+        </p:txBody>
+      </p:sp>
+      <p:sp>
+        <p:nvSpPr>
+          <p:cNvPr id="38" name="矩形 37"/>
+          <p:cNvSpPr/>
+          <p:nvPr/>
+        </p:nvSpPr>
+        <p:spPr>
+          <a:xfrm>
+            <a:off x="7574253" y="5936776"/>
+            <a:ext cx="646331" cy="369332"/>
+          </a:xfrm>
+          <a:prstGeom prst="rect">
+            <a:avLst/>
+          </a:prstGeom>
+        </p:spPr>
+        <p:txBody>
+          <a:bodyPr wrap="none">
+            <a:spAutoFit/>
+          </a:bodyPr>
+          <a:lstStyle/>
+          <a:p>
+            <a:pPr algn="ctr"/>
+            <a:r>
+              <a:rPr lang="en-US" altLang="zh-CN" dirty="0" smtClean="0">
+                <a:solidFill>
+                  <a:schemeClr val="accent1">
+                    <a:lumMod val="60000"/>
+                    <a:lumOff val="40000"/>
+                  </a:schemeClr>
+                </a:solidFill>
+                <a:latin typeface="+mj-ea"/>
+              </a:rPr>
+              <a:t>ost1</a:t>
+            </a:r>
+            <a:endParaRPr lang="en-US" altLang="zh-CN" dirty="0">
+              <a:solidFill>
+                <a:schemeClr val="accent1">
+                  <a:lumMod val="60000"/>
+                  <a:lumOff val="40000"/>
+                </a:schemeClr>
+              </a:solidFill>
+              <a:latin typeface="+mj-ea"/>
+            </a:endParaRPr>
+          </a:p>
+        </p:txBody>
+      </p:sp>
+      <p:sp>
+        <p:nvSpPr>
+          <p:cNvPr id="39" name="矩形 38"/>
+          <p:cNvSpPr/>
+          <p:nvPr/>
+        </p:nvSpPr>
+        <p:spPr>
+          <a:xfrm>
+            <a:off x="10041027" y="5936776"/>
+            <a:ext cx="646331" cy="369332"/>
+          </a:xfrm>
+          <a:prstGeom prst="rect">
+            <a:avLst/>
+          </a:prstGeom>
+        </p:spPr>
+        <p:txBody>
+          <a:bodyPr wrap="none">
+            <a:spAutoFit/>
+          </a:bodyPr>
+          <a:lstStyle/>
+          <a:p>
+            <a:pPr algn="ctr"/>
+            <a:r>
+              <a:rPr lang="en-US" altLang="zh-CN" dirty="0" smtClean="0">
+                <a:solidFill>
+                  <a:schemeClr val="accent1">
+                    <a:lumMod val="60000"/>
+                    <a:lumOff val="40000"/>
+                  </a:schemeClr>
+                </a:solidFill>
+                <a:latin typeface="+mj-ea"/>
+              </a:rPr>
+              <a:t>ost3</a:t>
+            </a:r>
+            <a:endParaRPr lang="en-US" altLang="zh-CN" dirty="0">
+              <a:solidFill>
+                <a:schemeClr val="accent1">
+                  <a:lumMod val="60000"/>
+                  <a:lumOff val="40000"/>
+                </a:schemeClr>
+              </a:solidFill>
+              <a:latin typeface="+mj-ea"/>
+            </a:endParaRPr>
+          </a:p>
+        </p:txBody>
+      </p:sp>
+      <p:sp>
+        <p:nvSpPr>
+          <p:cNvPr id="40" name="矩形 39"/>
+          <p:cNvSpPr/>
+          <p:nvPr/>
+        </p:nvSpPr>
+        <p:spPr>
+          <a:xfrm>
+            <a:off x="8795953" y="5936776"/>
+            <a:ext cx="646331" cy="369332"/>
+          </a:xfrm>
+          <a:prstGeom prst="rect">
+            <a:avLst/>
+          </a:prstGeom>
+        </p:spPr>
+        <p:txBody>
+          <a:bodyPr wrap="none">
+            <a:spAutoFit/>
+          </a:bodyPr>
+          <a:lstStyle/>
+          <a:p>
+            <a:pPr algn="ctr"/>
+            <a:r>
+              <a:rPr lang="en-US" altLang="zh-CN" dirty="0" smtClean="0">
+                <a:solidFill>
+                  <a:schemeClr val="accent1">
+                    <a:lumMod val="60000"/>
+                    <a:lumOff val="40000"/>
+                  </a:schemeClr>
+                </a:solidFill>
+                <a:latin typeface="+mj-ea"/>
+              </a:rPr>
+              <a:t>ost2</a:t>
+            </a:r>
+            <a:endParaRPr lang="en-US" altLang="zh-CN" dirty="0">
+              <a:solidFill>
+                <a:schemeClr val="accent1">
+                  <a:lumMod val="60000"/>
+                  <a:lumOff val="40000"/>
+                </a:schemeClr>
+              </a:solidFill>
+              <a:latin typeface="+mj-ea"/>
+            </a:endParaRPr>
+          </a:p>
+        </p:txBody>
+      </p:sp>
+      <p:sp>
+        <p:nvSpPr>
+          <p:cNvPr id="41" name="矩形 40"/>
+          <p:cNvSpPr/>
+          <p:nvPr/>
+        </p:nvSpPr>
+        <p:spPr>
+          <a:xfrm>
+            <a:off x="3499542" y="620400"/>
+            <a:ext cx="1003801" cy="369332"/>
+          </a:xfrm>
+          <a:prstGeom prst="rect">
+            <a:avLst/>
+          </a:prstGeom>
+        </p:spPr>
+        <p:txBody>
+          <a:bodyPr wrap="none">
+            <a:spAutoFit/>
+          </a:bodyPr>
+          <a:lstStyle/>
+          <a:p>
+            <a:pPr algn="ctr"/>
+            <a:r>
+              <a:rPr lang="en-US" altLang="zh-CN" b="1" dirty="0" smtClean="0">
+                <a:solidFill>
+                  <a:schemeClr val="accent1">
+                    <a:lumMod val="60000"/>
+                    <a:lumOff val="40000"/>
+                  </a:schemeClr>
+                </a:solidFill>
+                <a:latin typeface="+mj-ea"/>
+              </a:rPr>
+              <a:t>MGS/MDS</a:t>
+            </a:r>
+            <a:endParaRPr lang="en-US" altLang="zh-CN" b="1" dirty="0">
+              <a:solidFill>
+                <a:schemeClr val="accent1">
+                  <a:lumMod val="60000"/>
+                  <a:lumOff val="40000"/>
+                </a:schemeClr>
+              </a:solidFill>
+              <a:latin typeface="+mj-ea"/>
+            </a:endParaRPr>
+          </a:p>
+        </p:txBody>
+      </p:sp>
+      <p:sp>
+        <p:nvSpPr>
+          <p:cNvPr id="42" name="矩形 41"/>
+          <p:cNvSpPr/>
+          <p:nvPr/>
+        </p:nvSpPr>
+        <p:spPr>
+          <a:xfrm>
+            <a:off x="8513220" y="620400"/>
+            <a:ext cx="530916" cy="369332"/>
+          </a:xfrm>
+          <a:prstGeom prst="rect">
+            <a:avLst/>
+          </a:prstGeom>
+        </p:spPr>
+        <p:txBody>
+          <a:bodyPr wrap="none">
+            <a:spAutoFit/>
+          </a:bodyPr>
+          <a:lstStyle/>
+          <a:p>
+            <a:pPr algn="ctr"/>
+            <a:r>
+              <a:rPr lang="en-US" altLang="zh-CN" b="1" dirty="0" smtClean="0">
+                <a:solidFill>
+                  <a:schemeClr val="accent1">
+                    <a:lumMod val="60000"/>
+                    <a:lumOff val="40000"/>
+                  </a:schemeClr>
+                </a:solidFill>
+                <a:latin typeface="+mj-ea"/>
+              </a:rPr>
+              <a:t>OSS</a:t>
+            </a:r>
+            <a:endParaRPr lang="en-US" altLang="zh-CN" b="1" dirty="0">
+              <a:solidFill>
+                <a:schemeClr val="accent1">
+                  <a:lumMod val="60000"/>
+                  <a:lumOff val="40000"/>
+                </a:schemeClr>
+              </a:solidFill>
+              <a:latin typeface="+mj-ea"/>
+            </a:endParaRPr>
+          </a:p>
+        </p:txBody>
+      </p:sp>
+      <p:sp>
+        <p:nvSpPr>
+          <p:cNvPr id="43" name="左右箭头 42"/>
+          <p:cNvSpPr/>
+          <p:nvPr/>
+        </p:nvSpPr>
+        <p:spPr>
+          <a:xfrm>
+            <a:off x="3580338" y="1146878"/>
+            <a:ext cx="892190" cy="549131"/>
+          </a:xfrm>
+          <a:prstGeom prst="leftRightArrow">
+            <a:avLst/>
+          </a:prstGeom>
+        </p:spPr>
+        <p:style>
+          <a:lnRef idx="2">
+            <a:schemeClr val="accent2">
+              <a:shade val="50000"/>
+            </a:schemeClr>
+          </a:lnRef>
+          <a:fillRef idx="1">
+            <a:schemeClr val="accent2"/>
+          </a:fillRef>
+          <a:effectRef idx="0">
+            <a:schemeClr val="accent2"/>
+          </a:effectRef>
+          <a:fontRef idx="minor">
+            <a:schemeClr val="lt1"/>
+          </a:fontRef>
+        </p:style>
+        <p:txBody>
+          <a:bodyPr rtlCol="0" anchor="ctr"/>
+          <a:lstStyle/>
+          <a:p>
+            <a:pPr algn="ctr"/>
+            <a:endParaRPr lang="zh-CN" altLang="en-US"/>
+          </a:p>
+        </p:txBody>
+      </p:sp>
+      <p:sp>
+        <p:nvSpPr>
+          <p:cNvPr id="44" name="左右箭头 43"/>
+          <p:cNvSpPr/>
+          <p:nvPr/>
+        </p:nvSpPr>
+        <p:spPr>
+          <a:xfrm>
+            <a:off x="8274552" y="1146878"/>
+            <a:ext cx="892190" cy="549131"/>
+          </a:xfrm>
+          <a:prstGeom prst="leftRightArrow">
+            <a:avLst/>
+          </a:prstGeom>
+        </p:spPr>
+        <p:style>
+          <a:lnRef idx="2">
+            <a:schemeClr val="accent2">
+              <a:shade val="50000"/>
+            </a:schemeClr>
+          </a:lnRef>
+          <a:fillRef idx="1">
+            <a:schemeClr val="accent2"/>
+          </a:fillRef>
+          <a:effectRef idx="0">
+            <a:schemeClr val="accent2"/>
+          </a:effectRef>
+          <a:fontRef idx="minor">
+            <a:schemeClr val="lt1"/>
+          </a:fontRef>
+        </p:style>
+        <p:txBody>
+          <a:bodyPr rtlCol="0" anchor="ctr"/>
+          <a:lstStyle/>
+          <a:p>
+            <a:pPr algn="ctr"/>
+            <a:endParaRPr lang="zh-CN" altLang="en-US"/>
+          </a:p>
+        </p:txBody>
+      </p:sp>
+      <p:sp>
+        <p:nvSpPr>
+          <p:cNvPr id="45" name="矩形 44"/>
+          <p:cNvSpPr/>
+          <p:nvPr/>
+        </p:nvSpPr>
+        <p:spPr>
+          <a:xfrm>
+            <a:off x="2768998" y="2156607"/>
+            <a:ext cx="984260" cy="369332"/>
+          </a:xfrm>
+          <a:prstGeom prst="rect">
+            <a:avLst/>
+          </a:prstGeom>
+          <a:ln w="28575">
+            <a:noFill/>
+          </a:ln>
+        </p:spPr>
+        <p:txBody>
+          <a:bodyPr wrap="square">
+            <a:spAutoFit/>
+          </a:bodyPr>
+          <a:lstStyle/>
+          <a:p>
+            <a:pPr algn="ctr"/>
+            <a:r>
+              <a:rPr lang="en-US" altLang="zh-CN" dirty="0" smtClean="0">
+                <a:solidFill>
+                  <a:schemeClr val="accent1">
+                    <a:lumMod val="60000"/>
+                    <a:lumOff val="40000"/>
+                  </a:schemeClr>
+                </a:solidFill>
+                <a:latin typeface="+mj-ea"/>
+              </a:rPr>
+              <a:t>56.121</a:t>
+            </a:r>
+            <a:endParaRPr lang="en-US" altLang="zh-CN" dirty="0">
+              <a:solidFill>
+                <a:schemeClr val="accent1">
+                  <a:lumMod val="60000"/>
+                  <a:lumOff val="40000"/>
+                </a:schemeClr>
+              </a:solidFill>
+              <a:latin typeface="+mj-ea"/>
+            </a:endParaRPr>
+          </a:p>
+        </p:txBody>
+      </p:sp>
+      <p:sp>
+        <p:nvSpPr>
+          <p:cNvPr id="46" name="矩形 45"/>
+          <p:cNvSpPr/>
+          <p:nvPr/>
+        </p:nvSpPr>
+        <p:spPr>
+          <a:xfrm>
+            <a:off x="5064516" y="2156607"/>
+            <a:ext cx="984260" cy="369332"/>
+          </a:xfrm>
+          <a:prstGeom prst="rect">
+            <a:avLst/>
+          </a:prstGeom>
+          <a:ln w="28575">
+            <a:noFill/>
+          </a:ln>
+        </p:spPr>
+        <p:txBody>
+          <a:bodyPr wrap="square">
+            <a:spAutoFit/>
+          </a:bodyPr>
+          <a:lstStyle/>
+          <a:p>
+            <a:pPr algn="ctr"/>
+            <a:r>
+              <a:rPr lang="en-US" altLang="zh-CN" dirty="0" smtClean="0">
+                <a:solidFill>
+                  <a:schemeClr val="accent1">
+                    <a:lumMod val="60000"/>
+                    <a:lumOff val="40000"/>
+                  </a:schemeClr>
+                </a:solidFill>
+                <a:latin typeface="+mj-ea"/>
+              </a:rPr>
+              <a:t>56.122</a:t>
+            </a:r>
+            <a:endParaRPr lang="en-US" altLang="zh-CN" dirty="0">
+              <a:solidFill>
+                <a:schemeClr val="accent1">
+                  <a:lumMod val="60000"/>
+                  <a:lumOff val="40000"/>
+                </a:schemeClr>
+              </a:solidFill>
+              <a:latin typeface="+mj-ea"/>
+            </a:endParaRPr>
+          </a:p>
+        </p:txBody>
+      </p:sp>
+      <p:sp>
+        <p:nvSpPr>
+          <p:cNvPr id="47" name="矩形 46"/>
+          <p:cNvSpPr/>
+          <p:nvPr/>
+        </p:nvSpPr>
+        <p:spPr>
+          <a:xfrm>
+            <a:off x="7400230" y="2156607"/>
+            <a:ext cx="984260" cy="369332"/>
+          </a:xfrm>
+          <a:prstGeom prst="rect">
+            <a:avLst/>
+          </a:prstGeom>
+          <a:ln w="28575">
+            <a:noFill/>
+          </a:ln>
+        </p:spPr>
+        <p:txBody>
+          <a:bodyPr wrap="square">
+            <a:spAutoFit/>
+          </a:bodyPr>
+          <a:lstStyle/>
+          <a:p>
+            <a:pPr algn="ctr"/>
+            <a:r>
+              <a:rPr lang="en-US" altLang="zh-CN" dirty="0" smtClean="0">
+                <a:solidFill>
+                  <a:schemeClr val="accent1">
+                    <a:lumMod val="60000"/>
+                    <a:lumOff val="40000"/>
+                  </a:schemeClr>
+                </a:solidFill>
+                <a:latin typeface="+mj-ea"/>
+              </a:rPr>
+              <a:t>56.123</a:t>
+            </a:r>
+            <a:endParaRPr lang="en-US" altLang="zh-CN" dirty="0">
+              <a:solidFill>
+                <a:schemeClr val="accent1">
+                  <a:lumMod val="60000"/>
+                  <a:lumOff val="40000"/>
+                </a:schemeClr>
+              </a:solidFill>
+              <a:latin typeface="+mj-ea"/>
+            </a:endParaRPr>
+          </a:p>
+        </p:txBody>
+      </p:sp>
+      <p:sp>
+        <p:nvSpPr>
+          <p:cNvPr id="48" name="矩形 47"/>
+          <p:cNvSpPr/>
+          <p:nvPr/>
+        </p:nvSpPr>
+        <p:spPr>
+          <a:xfrm>
+            <a:off x="9759719" y="2156607"/>
+            <a:ext cx="984260" cy="369332"/>
+          </a:xfrm>
+          <a:prstGeom prst="rect">
+            <a:avLst/>
+          </a:prstGeom>
+          <a:ln w="28575">
+            <a:noFill/>
+          </a:ln>
+        </p:spPr>
+        <p:txBody>
+          <a:bodyPr wrap="square">
+            <a:spAutoFit/>
+          </a:bodyPr>
+          <a:lstStyle/>
+          <a:p>
+            <a:pPr algn="ctr"/>
+            <a:r>
+              <a:rPr lang="en-US" altLang="zh-CN" dirty="0" smtClean="0">
+                <a:solidFill>
+                  <a:schemeClr val="accent1">
+                    <a:lumMod val="60000"/>
+                    <a:lumOff val="40000"/>
+                  </a:schemeClr>
+                </a:solidFill>
+                <a:latin typeface="+mj-ea"/>
+              </a:rPr>
+              <a:t>56.124</a:t>
+            </a:r>
+            <a:endParaRPr lang="en-US" altLang="zh-CN" dirty="0">
+              <a:solidFill>
+                <a:schemeClr val="accent1">
+                  <a:lumMod val="60000"/>
+                  <a:lumOff val="40000"/>
+                </a:schemeClr>
+              </a:solidFill>
+              <a:latin typeface="+mj-ea"/>
+            </a:endParaRPr>
+          </a:p>
+        </p:txBody>
+      </p:sp>
+      <p:sp>
+        <p:nvSpPr>
+          <p:cNvPr id="49" name="矩形 48"/>
+          <p:cNvSpPr/>
+          <p:nvPr/>
+        </p:nvSpPr>
+        <p:spPr>
+          <a:xfrm>
+            <a:off x="3002507" y="4926960"/>
+            <a:ext cx="8352430" cy="1596670"/>
+          </a:xfrm>
+          <a:prstGeom prst="rect">
+            <a:avLst/>
+          </a:prstGeom>
+          <a:noFill/>
+          <a:ln>
+            <a:prstDash val="sysDash"/>
+          </a:ln>
+        </p:spPr>
+        <p:style>
+          <a:lnRef idx="2">
+            <a:schemeClr val="accent1">
+              <a:shade val="50000"/>
+            </a:schemeClr>
+          </a:lnRef>
+          <a:fillRef idx="1">
+            <a:schemeClr val="accent1"/>
+          </a:fillRef>
+          <a:effectRef idx="0">
+            <a:schemeClr val="accent1"/>
+          </a:effectRef>
+          <a:fontRef idx="minor">
+            <a:schemeClr val="lt1"/>
+          </a:fontRef>
+        </p:style>
+        <p:txBody>
+          <a:bodyPr rtlCol="0" anchor="ctr"/>
+          <a:lstStyle/>
+          <a:p>
+            <a:pPr algn="ctr"/>
+            <a:endParaRPr lang="zh-CN" altLang="en-US"/>
+          </a:p>
+        </p:txBody>
+      </p:sp>
+      <p:cxnSp>
+        <p:nvCxnSpPr>
+          <p:cNvPr id="50" name="直接连接符 49"/>
+          <p:cNvCxnSpPr/>
+          <p:nvPr/>
+        </p:nvCxnSpPr>
+        <p:spPr>
+          <a:xfrm flipV="1">
+            <a:off x="9759719" y="2725382"/>
+            <a:ext cx="0" cy="645265"/>
+          </a:xfrm>
+          <a:prstGeom prst="line">
+            <a:avLst/>
+          </a:prstGeom>
+          <a:ln w="28575"/>
+        </p:spPr>
+        <p:style>
+          <a:lnRef idx="1">
+            <a:schemeClr val="accent1"/>
+          </a:lnRef>
+          <a:fillRef idx="0">
+            <a:schemeClr val="accent1"/>
+          </a:fillRef>
+          <a:effectRef idx="0">
+            <a:schemeClr val="accent1"/>
+          </a:effectRef>
+          <a:fontRef idx="minor">
+            <a:schemeClr val="tx1"/>
+          </a:fontRef>
+        </p:style>
+      </p:cxnSp>
+      <p:sp>
+        <p:nvSpPr>
+          <p:cNvPr id="51" name="矩形 50"/>
+          <p:cNvSpPr/>
+          <p:nvPr/>
+        </p:nvSpPr>
+        <p:spPr>
+          <a:xfrm>
+            <a:off x="8879909" y="3235912"/>
+            <a:ext cx="2038304" cy="1098262"/>
+          </a:xfrm>
+          <a:prstGeom prst="rect">
+            <a:avLst/>
+          </a:prstGeom>
+        </p:spPr>
+        <p:style>
+          <a:lnRef idx="2">
+            <a:schemeClr val="accent1">
+              <a:shade val="50000"/>
+            </a:schemeClr>
+          </a:lnRef>
+          <a:fillRef idx="1">
+            <a:schemeClr val="accent1"/>
+          </a:fillRef>
+          <a:effectRef idx="0">
+            <a:schemeClr val="accent1"/>
+          </a:effectRef>
+          <a:fontRef idx="minor">
+            <a:schemeClr val="lt1"/>
+          </a:fontRef>
+        </p:style>
+        <p:txBody>
+          <a:bodyPr rtlCol="0" anchor="ctr"/>
+          <a:lstStyle/>
+          <a:p>
+            <a:pPr algn="ctr"/>
+            <a:endParaRPr lang="en-US" altLang="zh-CN" dirty="0" smtClean="0">
+              <a:latin typeface="+mj-ea"/>
+              <a:ea typeface="+mj-ea"/>
+            </a:endParaRPr>
+          </a:p>
+          <a:p>
+            <a:pPr algn="ctr"/>
+            <a:r>
+              <a:rPr lang="en-US" altLang="zh-CN" dirty="0" smtClean="0">
+                <a:latin typeface="+mj-ea"/>
+                <a:ea typeface="+mj-ea"/>
+              </a:rPr>
+              <a:t>cn1</a:t>
+            </a:r>
+            <a:endParaRPr lang="en-US" altLang="zh-CN" dirty="0" smtClean="0">
+              <a:latin typeface="+mj-ea"/>
+              <a:ea typeface="+mj-ea"/>
+            </a:endParaRPr>
+          </a:p>
+          <a:p>
+            <a:pPr algn="ctr"/>
+            <a:endParaRPr lang="zh-CN" altLang="en-US" dirty="0">
+              <a:latin typeface="+mj-ea"/>
+              <a:ea typeface="+mj-ea"/>
+            </a:endParaRPr>
+          </a:p>
+        </p:txBody>
+      </p:sp>
+      <p:sp>
+        <p:nvSpPr>
+          <p:cNvPr id="52" name="矩形 51"/>
+          <p:cNvSpPr/>
+          <p:nvPr/>
+        </p:nvSpPr>
+        <p:spPr>
+          <a:xfrm>
+            <a:off x="8879908" y="3246322"/>
+            <a:ext cx="1665887" cy="350171"/>
+          </a:xfrm>
+          <a:prstGeom prst="rect">
+            <a:avLst/>
+          </a:prstGeom>
+        </p:spPr>
+        <p:style>
+          <a:lnRef idx="2">
+            <a:schemeClr val="accent1">
+              <a:shade val="50000"/>
+            </a:schemeClr>
+          </a:lnRef>
+          <a:fillRef idx="1">
+            <a:schemeClr val="accent1"/>
+          </a:fillRef>
+          <a:effectRef idx="0">
+            <a:schemeClr val="accent1"/>
+          </a:effectRef>
+          <a:fontRef idx="minor">
+            <a:schemeClr val="lt1"/>
+          </a:fontRef>
+        </p:style>
+        <p:txBody>
+          <a:bodyPr rtlCol="0" anchor="ctr"/>
+          <a:lstStyle/>
+          <a:p>
+            <a:pPr algn="ctr"/>
+            <a:r>
+              <a:rPr lang="en-US" altLang="zh-CN" dirty="0" smtClean="0">
+                <a:latin typeface="+mj-ea"/>
+                <a:ea typeface="+mj-ea"/>
+              </a:rPr>
+              <a:t>enp0s3</a:t>
+            </a:r>
+            <a:endParaRPr lang="zh-CN" altLang="en-US" dirty="0">
+              <a:latin typeface="+mj-ea"/>
+              <a:ea typeface="+mj-ea"/>
+            </a:endParaRPr>
+          </a:p>
+        </p:txBody>
+      </p:sp>
+      <p:sp>
+        <p:nvSpPr>
+          <p:cNvPr id="53" name="矩形 52"/>
+          <p:cNvSpPr/>
+          <p:nvPr/>
+        </p:nvSpPr>
+        <p:spPr>
+          <a:xfrm>
+            <a:off x="9759719" y="2777029"/>
+            <a:ext cx="984260" cy="369332"/>
+          </a:xfrm>
+          <a:prstGeom prst="rect">
+            <a:avLst/>
+          </a:prstGeom>
+          <a:ln w="28575">
+            <a:noFill/>
+          </a:ln>
+        </p:spPr>
+        <p:txBody>
+          <a:bodyPr wrap="square">
+            <a:spAutoFit/>
+          </a:bodyPr>
+          <a:lstStyle/>
+          <a:p>
+            <a:pPr algn="ctr"/>
+            <a:r>
+              <a:rPr lang="en-US" altLang="zh-CN" dirty="0" smtClean="0">
+                <a:solidFill>
+                  <a:schemeClr val="accent1">
+                    <a:lumMod val="60000"/>
+                    <a:lumOff val="40000"/>
+                  </a:schemeClr>
+                </a:solidFill>
+                <a:latin typeface="+mj-ea"/>
+              </a:rPr>
+              <a:t>56.101</a:t>
+            </a:r>
+            <a:endParaRPr lang="en-US" altLang="zh-CN" dirty="0">
+              <a:solidFill>
+                <a:schemeClr val="accent1">
+                  <a:lumMod val="60000"/>
+                  <a:lumOff val="40000"/>
+                </a:schemeClr>
+              </a:solidFill>
+              <a:latin typeface="+mj-ea"/>
+            </a:endParaRPr>
+          </a:p>
+        </p:txBody>
+      </p:sp>
+    </p:spTree>
+    <p:extLst>
+      <p:ext uri="{BB962C8B-B14F-4D97-AF65-F5344CB8AC3E}">
+        <p14:creationId xmlns:p14="http://schemas.microsoft.com/office/powerpoint/2010/main" val="154000415"/>
+      </p:ext>
+    </p:extLst>
+  </p:cSld>
+  <p:clrMapOvr>
+    <a:masterClrMapping/>
+  </p:clrMapOvr>
+</p:sld>
+</file>
+
 <file path=ppt/theme/theme1.xml><?xml version="1.0" encoding="utf-8"?>
 <a:theme xmlns:a="http://schemas.openxmlformats.org/drawingml/2006/main" name="网状">
   <a:themeElements>
